--- a/cagrid/Documentation/general/meetings/UGM/2011-01-19_Ant-and-Ivy-Use-in-caGrid.pptx
+++ b/cagrid/Documentation/general/meetings/UGM/2011-01-19_Ant-and-Ivy-Use-in-caGrid.pptx
@@ -1940,46 +1940,46 @@
     </dgm:pt>
   </dgm:ptLst>
   <dgm:cxnLst>
+    <dgm:cxn modelId="{61AD276E-1C4B-4D20-896D-FDB66683EB32}" type="presOf" srcId="{B32ECA63-1C60-4CDC-BD7A-BCB960984BF4}" destId="{460AA7C7-8AB6-494F-9A22-1681A8189E59}" srcOrd="1" destOrd="0" presId="urn:microsoft.com/office/officeart/2005/8/layout/orgChart1"/>
+    <dgm:cxn modelId="{915D2126-FEF7-4382-894E-858B91B64F1B}" type="presOf" srcId="{A98143AF-F79D-4BBB-8942-9578381DBE3E}" destId="{197DF3C9-5E3F-43F6-8C11-6E43C29D401C}" srcOrd="0" destOrd="0" presId="urn:microsoft.com/office/officeart/2005/8/layout/orgChart1"/>
+    <dgm:cxn modelId="{13FC1864-A586-4D40-9DEF-5ECACAE69ED5}" type="presOf" srcId="{B0ED1D4B-20D2-477B-8B04-53AA9FCCE539}" destId="{2882621B-22DD-463A-A82D-AEA40EC7B66E}" srcOrd="1" destOrd="0" presId="urn:microsoft.com/office/officeart/2005/8/layout/orgChart1"/>
+    <dgm:cxn modelId="{8152DB40-1426-4402-AC5C-689BE4FD1838}" type="presOf" srcId="{552AFDC4-1069-4A00-A563-B2C523C5A094}" destId="{A6088ADE-8373-454B-8073-3EF4E8FA23E2}" srcOrd="0" destOrd="0" presId="urn:microsoft.com/office/officeart/2005/8/layout/orgChart1"/>
+    <dgm:cxn modelId="{64BCA4F2-99E1-4CB0-B303-373F791FEBE3}" srcId="{B97137E1-744D-46CA-A77E-86A11C420D7D}" destId="{B0ED1D4B-20D2-477B-8B04-53AA9FCCE539}" srcOrd="0" destOrd="0" parTransId="{A6D0BFB6-A967-4D9E-B0E8-469F0246FE73}" sibTransId="{2FDF5B70-56BB-44D8-9C8C-8BB18E2CD3F7}"/>
+    <dgm:cxn modelId="{2E59871B-CFDC-468E-BDB1-839ED5489C3F}" type="presOf" srcId="{B97137E1-744D-46CA-A77E-86A11C420D7D}" destId="{FCC39FFD-29E7-468C-87A6-008AFF9C0A75}" srcOrd="0" destOrd="0" presId="urn:microsoft.com/office/officeart/2005/8/layout/orgChart1"/>
+    <dgm:cxn modelId="{A51E2ED0-8890-4167-AB38-90B1ECC5B2F2}" type="presOf" srcId="{B0ED1D4B-20D2-477B-8B04-53AA9FCCE539}" destId="{E3D05836-2B6B-4711-8055-D821DF4A72D1}" srcOrd="0" destOrd="0" presId="urn:microsoft.com/office/officeart/2005/8/layout/orgChart1"/>
+    <dgm:cxn modelId="{570A282E-CEDA-45BB-8F0B-39D2291477AA}" srcId="{D453285A-16D7-444D-8422-9146654DD6BC}" destId="{66020745-553C-443A-B1E0-24FED1ABC55D}" srcOrd="4" destOrd="0" parTransId="{8E6581E5-6A8A-46E7-A0B2-71FDE8596BB5}" sibTransId="{BB9C9F65-31B9-4AA6-A298-D968C521A674}"/>
+    <dgm:cxn modelId="{643DDD6C-DC33-40C5-B492-634FA3DB00D0}" srcId="{D453285A-16D7-444D-8422-9146654DD6BC}" destId="{32875298-610D-4C08-BA56-661060A72C81}" srcOrd="0" destOrd="0" parTransId="{3E6C4596-0222-492B-8665-DE04BCB95D53}" sibTransId="{C0B97E59-4E17-4778-97A8-392CEB1A18DB}"/>
+    <dgm:cxn modelId="{E9DDD9DA-22BE-449F-AF93-ECB2CC20323A}" srcId="{D453285A-16D7-444D-8422-9146654DD6BC}" destId="{68AC985A-0F09-452B-833C-8DBC5183601A}" srcOrd="5" destOrd="0" parTransId="{B16E1758-A1AC-43FF-811A-09F931F77023}" sibTransId="{8460111A-A082-4648-9D54-07AB682BE2CA}"/>
+    <dgm:cxn modelId="{11864AD9-66F1-4421-A1DE-26A73C6C3B88}" type="presOf" srcId="{FE3F7D0F-9444-49B1-845E-E30EBB17CFF5}" destId="{A7524BCE-373A-4987-BE39-2D9D0FF38E56}" srcOrd="0" destOrd="0" presId="urn:microsoft.com/office/officeart/2005/8/layout/orgChart1"/>
+    <dgm:cxn modelId="{26D91F0A-898A-4995-8C2C-7AE49B332FE9}" type="presOf" srcId="{32875298-610D-4C08-BA56-661060A72C81}" destId="{3390195C-7259-436E-B118-74FB12BD0C9A}" srcOrd="1" destOrd="0" presId="urn:microsoft.com/office/officeart/2005/8/layout/orgChart1"/>
+    <dgm:cxn modelId="{0678A314-E49F-412C-A342-57F51B3336AB}" type="presOf" srcId="{66020745-553C-443A-B1E0-24FED1ABC55D}" destId="{E006A033-B1E2-4B7E-8562-51C3F9880777}" srcOrd="1" destOrd="0" presId="urn:microsoft.com/office/officeart/2005/8/layout/orgChart1"/>
+    <dgm:cxn modelId="{E09A655F-F038-43E7-9A83-C8C36AC6D734}" type="presOf" srcId="{BA71A16F-6682-43FC-A465-BED2C1D46BA7}" destId="{E9F4595B-F883-4383-9261-1A20EF7B830B}" srcOrd="1" destOrd="0" presId="urn:microsoft.com/office/officeart/2005/8/layout/orgChart1"/>
+    <dgm:cxn modelId="{F08CA894-4247-434D-8328-F1B6C4CF7579}" type="presOf" srcId="{81FCED42-4BDB-42FF-8C6F-0AC9C2D6473D}" destId="{B24931C7-AB57-4101-A0C6-8585DBC9B1A6}" srcOrd="0" destOrd="0" presId="urn:microsoft.com/office/officeart/2005/8/layout/orgChart1"/>
+    <dgm:cxn modelId="{8C4EF5D0-455E-4ECF-BE58-166947F88956}" srcId="{D453285A-16D7-444D-8422-9146654DD6BC}" destId="{B97137E1-744D-46CA-A77E-86A11C420D7D}" srcOrd="2" destOrd="0" parTransId="{81FCED42-4BDB-42FF-8C6F-0AC9C2D6473D}" sibTransId="{18961F32-4259-402C-BC1C-C2958F817872}"/>
+    <dgm:cxn modelId="{BD299A0B-ADBB-4DBE-AC1E-DD73579DADB8}" type="presOf" srcId="{B32ECA63-1C60-4CDC-BD7A-BCB960984BF4}" destId="{0DFEF5CA-3FB9-4783-B74B-58885E5DEAA4}" srcOrd="0" destOrd="0" presId="urn:microsoft.com/office/officeart/2005/8/layout/orgChart1"/>
+    <dgm:cxn modelId="{B5FA99AB-5A6A-4AA3-A38E-FD4A11AFCA7A}" type="presOf" srcId="{07283082-9EBA-4315-A719-3440C7287313}" destId="{5BF884FA-D746-42E2-9C2D-88F541DE026B}" srcOrd="0" destOrd="0" presId="urn:microsoft.com/office/officeart/2005/8/layout/orgChart1"/>
+    <dgm:cxn modelId="{A077D663-C164-4BC1-9011-49709AEC3FA9}" srcId="{D453285A-16D7-444D-8422-9146654DD6BC}" destId="{BA71A16F-6682-43FC-A465-BED2C1D46BA7}" srcOrd="1" destOrd="0" parTransId="{552AFDC4-1069-4A00-A563-B2C523C5A094}" sibTransId="{B575D406-7A91-48D7-B1B9-CF43A97B0B35}"/>
+    <dgm:cxn modelId="{9BCBBF4F-DFD6-49B6-B1F4-9D4045178033}" type="presOf" srcId="{D453285A-16D7-444D-8422-9146654DD6BC}" destId="{CDD5D1C2-E0C1-4F78-8385-EBEF5A57A388}" srcOrd="1" destOrd="0" presId="urn:microsoft.com/office/officeart/2005/8/layout/orgChart1"/>
+    <dgm:cxn modelId="{06FB0CEE-34C1-4D59-8194-FFBCFB7D87D9}" type="presOf" srcId="{3E6C4596-0222-492B-8665-DE04BCB95D53}" destId="{6795BEA5-86D5-4F08-96B8-BCF785345978}" srcOrd="0" destOrd="0" presId="urn:microsoft.com/office/officeart/2005/8/layout/orgChart1"/>
+    <dgm:cxn modelId="{E9A43683-4662-4F25-9B5A-BCA9BCB99744}" type="presOf" srcId="{68AC985A-0F09-452B-833C-8DBC5183601A}" destId="{C4C55304-6BC8-4D0B-91B1-503383CA1D90}" srcOrd="0" destOrd="0" presId="urn:microsoft.com/office/officeart/2005/8/layout/orgChart1"/>
+    <dgm:cxn modelId="{05CAF5FA-AEC9-424C-B719-876C968E52B6}" srcId="{B32ECA63-1C60-4CDC-BD7A-BCB960984BF4}" destId="{3F9B2472-799D-4F22-AE2B-C21FBE70CAE2}" srcOrd="0" destOrd="0" parTransId="{A98143AF-F79D-4BBB-8942-9578381DBE3E}" sibTransId="{ED45F4AF-C4E4-42D7-8E20-E83AAF5C0F70}"/>
+    <dgm:cxn modelId="{913D5CBF-EC76-43E9-A328-3F4296DCD729}" srcId="{D453285A-16D7-444D-8422-9146654DD6BC}" destId="{B32ECA63-1C60-4CDC-BD7A-BCB960984BF4}" srcOrd="3" destOrd="0" parTransId="{07283082-9EBA-4315-A719-3440C7287313}" sibTransId="{D8857463-81E7-4C64-9D3C-E02FEE73705D}"/>
+    <dgm:cxn modelId="{86613C33-8289-47B8-B4F9-FBAF0BE6AF8C}" srcId="{E98EBD68-9DE1-470C-9F18-2B8C25A9D113}" destId="{D453285A-16D7-444D-8422-9146654DD6BC}" srcOrd="0" destOrd="0" parTransId="{21856F45-003E-429F-889B-91F73F5D72AB}" sibTransId="{B807043E-6539-475E-AD31-00CC9F14ACFA}"/>
+    <dgm:cxn modelId="{841BB169-13C3-4738-BA57-DCD0414032CD}" type="presOf" srcId="{B97137E1-744D-46CA-A77E-86A11C420D7D}" destId="{32BA2C76-69FE-4500-810B-24A8A1CC5B0B}" srcOrd="1" destOrd="0" presId="urn:microsoft.com/office/officeart/2005/8/layout/orgChart1"/>
+    <dgm:cxn modelId="{42F7FBAB-DE00-4E69-BEAB-9AC09082EF94}" type="presOf" srcId="{68AC985A-0F09-452B-833C-8DBC5183601A}" destId="{B369FDA3-BB17-472E-85A1-76FE55CC4471}" srcOrd="1" destOrd="0" presId="urn:microsoft.com/office/officeart/2005/8/layout/orgChart1"/>
+    <dgm:cxn modelId="{658AD65F-FB52-4183-9AD9-31141E6281FD}" type="presOf" srcId="{BA71A16F-6682-43FC-A465-BED2C1D46BA7}" destId="{402B6F85-0DBF-41C0-B5E2-A4B5088CE976}" srcOrd="0" destOrd="0" presId="urn:microsoft.com/office/officeart/2005/8/layout/orgChart1"/>
+    <dgm:cxn modelId="{2B4501CF-E0B8-4F98-A29C-7D2AD9DBDC61}" type="presOf" srcId="{61CCFA96-5DBF-4F18-9A4C-C5A8B16125F4}" destId="{25DDC3CA-1E14-4AF8-9581-E55956816626}" srcOrd="1" destOrd="0" presId="urn:microsoft.com/office/officeart/2005/8/layout/orgChart1"/>
+    <dgm:cxn modelId="{1EEEB92F-DFCB-4658-8D60-1597EB32B26A}" type="presOf" srcId="{66020745-553C-443A-B1E0-24FED1ABC55D}" destId="{C19D0ECA-7F5F-4205-820D-EEFE33B2A973}" srcOrd="0" destOrd="0" presId="urn:microsoft.com/office/officeart/2005/8/layout/orgChart1"/>
+    <dgm:cxn modelId="{43EA34D3-0710-4208-A52F-79635E8DCE39}" type="presOf" srcId="{B16E1758-A1AC-43FF-811A-09F931F77023}" destId="{3C4EEABA-0957-4709-A492-4050D308906B}" srcOrd="0" destOrd="0" presId="urn:microsoft.com/office/officeart/2005/8/layout/orgChart1"/>
+    <dgm:cxn modelId="{0D26D352-CE06-4C80-9D89-ED4237F61548}" type="presOf" srcId="{3F9B2472-799D-4F22-AE2B-C21FBE70CAE2}" destId="{A5C65385-3CE4-41DE-A584-EBB14C06E748}" srcOrd="0" destOrd="0" presId="urn:microsoft.com/office/officeart/2005/8/layout/orgChart1"/>
+    <dgm:cxn modelId="{34E6454D-07D1-4AE1-A0CA-16D1598C799D}" type="presOf" srcId="{61CCFA96-5DBF-4F18-9A4C-C5A8B16125F4}" destId="{E23E4AC3-D91D-4E9D-B56E-BDCA526E3034}" srcOrd="0" destOrd="0" presId="urn:microsoft.com/office/officeart/2005/8/layout/orgChart1"/>
+    <dgm:cxn modelId="{4945CA93-5679-4218-BD27-C4DD3F917E91}" srcId="{B0ED1D4B-20D2-477B-8B04-53AA9FCCE539}" destId="{61CCFA96-5DBF-4F18-9A4C-C5A8B16125F4}" srcOrd="0" destOrd="0" parTransId="{FE3F7D0F-9444-49B1-845E-E30EBB17CFF5}" sibTransId="{2F93E00B-2ADC-4362-8D72-009B8E4FF5CD}"/>
+    <dgm:cxn modelId="{645157BF-E9A8-4EDA-8627-D5321B83FC38}" type="presOf" srcId="{8E6581E5-6A8A-46E7-A0B2-71FDE8596BB5}" destId="{E07B00B3-1304-4287-B7F9-6A2EC76914C5}" srcOrd="0" destOrd="0" presId="urn:microsoft.com/office/officeart/2005/8/layout/orgChart1"/>
     <dgm:cxn modelId="{3A956C1A-AF84-40BE-A327-9C91F9F122D4}" type="presOf" srcId="{E98EBD68-9DE1-470C-9F18-2B8C25A9D113}" destId="{C1A19A44-4AD4-45C2-ACA7-9ECD5174686C}" srcOrd="0" destOrd="0" presId="urn:microsoft.com/office/officeart/2005/8/layout/orgChart1"/>
-    <dgm:cxn modelId="{06FB0CEE-34C1-4D59-8194-FFBCFB7D87D9}" type="presOf" srcId="{3E6C4596-0222-492B-8665-DE04BCB95D53}" destId="{6795BEA5-86D5-4F08-96B8-BCF785345978}" srcOrd="0" destOrd="0" presId="urn:microsoft.com/office/officeart/2005/8/layout/orgChart1"/>
-    <dgm:cxn modelId="{B5FA99AB-5A6A-4AA3-A38E-FD4A11AFCA7A}" type="presOf" srcId="{07283082-9EBA-4315-A719-3440C7287313}" destId="{5BF884FA-D746-42E2-9C2D-88F541DE026B}" srcOrd="0" destOrd="0" presId="urn:microsoft.com/office/officeart/2005/8/layout/orgChart1"/>
-    <dgm:cxn modelId="{2E59871B-CFDC-468E-BDB1-839ED5489C3F}" type="presOf" srcId="{B97137E1-744D-46CA-A77E-86A11C420D7D}" destId="{FCC39FFD-29E7-468C-87A6-008AFF9C0A75}" srcOrd="0" destOrd="0" presId="urn:microsoft.com/office/officeart/2005/8/layout/orgChart1"/>
-    <dgm:cxn modelId="{F08CA894-4247-434D-8328-F1B6C4CF7579}" type="presOf" srcId="{81FCED42-4BDB-42FF-8C6F-0AC9C2D6473D}" destId="{B24931C7-AB57-4101-A0C6-8585DBC9B1A6}" srcOrd="0" destOrd="0" presId="urn:microsoft.com/office/officeart/2005/8/layout/orgChart1"/>
-    <dgm:cxn modelId="{13FC1864-A586-4D40-9DEF-5ECACAE69ED5}" type="presOf" srcId="{B0ED1D4B-20D2-477B-8B04-53AA9FCCE539}" destId="{2882621B-22DD-463A-A82D-AEA40EC7B66E}" srcOrd="1" destOrd="0" presId="urn:microsoft.com/office/officeart/2005/8/layout/orgChart1"/>
-    <dgm:cxn modelId="{61AD276E-1C4B-4D20-896D-FDB66683EB32}" type="presOf" srcId="{B32ECA63-1C60-4CDC-BD7A-BCB960984BF4}" destId="{460AA7C7-8AB6-494F-9A22-1681A8189E59}" srcOrd="1" destOrd="0" presId="urn:microsoft.com/office/officeart/2005/8/layout/orgChart1"/>
-    <dgm:cxn modelId="{43EA34D3-0710-4208-A52F-79635E8DCE39}" type="presOf" srcId="{B16E1758-A1AC-43FF-811A-09F931F77023}" destId="{3C4EEABA-0957-4709-A492-4050D308906B}" srcOrd="0" destOrd="0" presId="urn:microsoft.com/office/officeart/2005/8/layout/orgChart1"/>
-    <dgm:cxn modelId="{1EEEB92F-DFCB-4658-8D60-1597EB32B26A}" type="presOf" srcId="{66020745-553C-443A-B1E0-24FED1ABC55D}" destId="{C19D0ECA-7F5F-4205-820D-EEFE33B2A973}" srcOrd="0" destOrd="0" presId="urn:microsoft.com/office/officeart/2005/8/layout/orgChart1"/>
-    <dgm:cxn modelId="{E9A43683-4662-4F25-9B5A-BCA9BCB99744}" type="presOf" srcId="{68AC985A-0F09-452B-833C-8DBC5183601A}" destId="{C4C55304-6BC8-4D0B-91B1-503383CA1D90}" srcOrd="0" destOrd="0" presId="urn:microsoft.com/office/officeart/2005/8/layout/orgChart1"/>
-    <dgm:cxn modelId="{643DDD6C-DC33-40C5-B492-634FA3DB00D0}" srcId="{D453285A-16D7-444D-8422-9146654DD6BC}" destId="{32875298-610D-4C08-BA56-661060A72C81}" srcOrd="0" destOrd="0" parTransId="{3E6C4596-0222-492B-8665-DE04BCB95D53}" sibTransId="{C0B97E59-4E17-4778-97A8-392CEB1A18DB}"/>
-    <dgm:cxn modelId="{26D91F0A-898A-4995-8C2C-7AE49B332FE9}" type="presOf" srcId="{32875298-610D-4C08-BA56-661060A72C81}" destId="{3390195C-7259-436E-B118-74FB12BD0C9A}" srcOrd="1" destOrd="0" presId="urn:microsoft.com/office/officeart/2005/8/layout/orgChart1"/>
-    <dgm:cxn modelId="{E9DDD9DA-22BE-449F-AF93-ECB2CC20323A}" srcId="{D453285A-16D7-444D-8422-9146654DD6BC}" destId="{68AC985A-0F09-452B-833C-8DBC5183601A}" srcOrd="5" destOrd="0" parTransId="{B16E1758-A1AC-43FF-811A-09F931F77023}" sibTransId="{8460111A-A082-4648-9D54-07AB682BE2CA}"/>
-    <dgm:cxn modelId="{570A282E-CEDA-45BB-8F0B-39D2291477AA}" srcId="{D453285A-16D7-444D-8422-9146654DD6BC}" destId="{66020745-553C-443A-B1E0-24FED1ABC55D}" srcOrd="4" destOrd="0" parTransId="{8E6581E5-6A8A-46E7-A0B2-71FDE8596BB5}" sibTransId="{BB9C9F65-31B9-4AA6-A298-D968C521A674}"/>
-    <dgm:cxn modelId="{42F7FBAB-DE00-4E69-BEAB-9AC09082EF94}" type="presOf" srcId="{68AC985A-0F09-452B-833C-8DBC5183601A}" destId="{B369FDA3-BB17-472E-85A1-76FE55CC4471}" srcOrd="1" destOrd="0" presId="urn:microsoft.com/office/officeart/2005/8/layout/orgChart1"/>
-    <dgm:cxn modelId="{E09A655F-F038-43E7-9A83-C8C36AC6D734}" type="presOf" srcId="{BA71A16F-6682-43FC-A465-BED2C1D46BA7}" destId="{E9F4595B-F883-4383-9261-1A20EF7B830B}" srcOrd="1" destOrd="0" presId="urn:microsoft.com/office/officeart/2005/8/layout/orgChart1"/>
-    <dgm:cxn modelId="{8C4EF5D0-455E-4ECF-BE58-166947F88956}" srcId="{D453285A-16D7-444D-8422-9146654DD6BC}" destId="{B97137E1-744D-46CA-A77E-86A11C420D7D}" srcOrd="2" destOrd="0" parTransId="{81FCED42-4BDB-42FF-8C6F-0AC9C2D6473D}" sibTransId="{18961F32-4259-402C-BC1C-C2958F817872}"/>
-    <dgm:cxn modelId="{658AD65F-FB52-4183-9AD9-31141E6281FD}" type="presOf" srcId="{BA71A16F-6682-43FC-A465-BED2C1D46BA7}" destId="{402B6F85-0DBF-41C0-B5E2-A4B5088CE976}" srcOrd="0" destOrd="0" presId="urn:microsoft.com/office/officeart/2005/8/layout/orgChart1"/>
-    <dgm:cxn modelId="{A077D663-C164-4BC1-9011-49709AEC3FA9}" srcId="{D453285A-16D7-444D-8422-9146654DD6BC}" destId="{BA71A16F-6682-43FC-A465-BED2C1D46BA7}" srcOrd="1" destOrd="0" parTransId="{552AFDC4-1069-4A00-A563-B2C523C5A094}" sibTransId="{B575D406-7A91-48D7-B1B9-CF43A97B0B35}"/>
-    <dgm:cxn modelId="{0D26D352-CE06-4C80-9D89-ED4237F61548}" type="presOf" srcId="{3F9B2472-799D-4F22-AE2B-C21FBE70CAE2}" destId="{A5C65385-3CE4-41DE-A584-EBB14C06E748}" srcOrd="0" destOrd="0" presId="urn:microsoft.com/office/officeart/2005/8/layout/orgChart1"/>
-    <dgm:cxn modelId="{9BCBBF4F-DFD6-49B6-B1F4-9D4045178033}" type="presOf" srcId="{D453285A-16D7-444D-8422-9146654DD6BC}" destId="{CDD5D1C2-E0C1-4F78-8385-EBEF5A57A388}" srcOrd="1" destOrd="0" presId="urn:microsoft.com/office/officeart/2005/8/layout/orgChart1"/>
     <dgm:cxn modelId="{C3C38B50-29A6-499A-80A9-9B921536A28C}" type="presOf" srcId="{32875298-610D-4C08-BA56-661060A72C81}" destId="{33E372E9-F59C-40D7-AEC5-8483E91D0B34}" srcOrd="0" destOrd="0" presId="urn:microsoft.com/office/officeart/2005/8/layout/orgChart1"/>
+    <dgm:cxn modelId="{6D3C73F4-02B8-4C37-9B13-5270BE274FC8}" type="presOf" srcId="{D453285A-16D7-444D-8422-9146654DD6BC}" destId="{5A513A83-C49C-46A5-8AB2-B00612607B04}" srcOrd="0" destOrd="0" presId="urn:microsoft.com/office/officeart/2005/8/layout/orgChart1"/>
     <dgm:cxn modelId="{36BB1028-0749-408A-9EEB-99B492CC6BEB}" type="presOf" srcId="{A6D0BFB6-A967-4D9E-B0E8-469F0246FE73}" destId="{7719AD79-A762-4AB3-9FAD-48F6488B68D0}" srcOrd="0" destOrd="0" presId="urn:microsoft.com/office/officeart/2005/8/layout/orgChart1"/>
-    <dgm:cxn modelId="{34E6454D-07D1-4AE1-A0CA-16D1598C799D}" type="presOf" srcId="{61CCFA96-5DBF-4F18-9A4C-C5A8B16125F4}" destId="{E23E4AC3-D91D-4E9D-B56E-BDCA526E3034}" srcOrd="0" destOrd="0" presId="urn:microsoft.com/office/officeart/2005/8/layout/orgChart1"/>
-    <dgm:cxn modelId="{86613C33-8289-47B8-B4F9-FBAF0BE6AF8C}" srcId="{E98EBD68-9DE1-470C-9F18-2B8C25A9D113}" destId="{D453285A-16D7-444D-8422-9146654DD6BC}" srcOrd="0" destOrd="0" parTransId="{21856F45-003E-429F-889B-91F73F5D72AB}" sibTransId="{B807043E-6539-475E-AD31-00CC9F14ACFA}"/>
     <dgm:cxn modelId="{BB1731EA-DD35-4E79-B5F9-70858F941F24}" type="presOf" srcId="{3F9B2472-799D-4F22-AE2B-C21FBE70CAE2}" destId="{8796A685-97F4-414B-81AD-F847FB41EFCC}" srcOrd="1" destOrd="0" presId="urn:microsoft.com/office/officeart/2005/8/layout/orgChart1"/>
-    <dgm:cxn modelId="{645157BF-E9A8-4EDA-8627-D5321B83FC38}" type="presOf" srcId="{8E6581E5-6A8A-46E7-A0B2-71FDE8596BB5}" destId="{E07B00B3-1304-4287-B7F9-6A2EC76914C5}" srcOrd="0" destOrd="0" presId="urn:microsoft.com/office/officeart/2005/8/layout/orgChart1"/>
-    <dgm:cxn modelId="{A51E2ED0-8890-4167-AB38-90B1ECC5B2F2}" type="presOf" srcId="{B0ED1D4B-20D2-477B-8B04-53AA9FCCE539}" destId="{E3D05836-2B6B-4711-8055-D821DF4A72D1}" srcOrd="0" destOrd="0" presId="urn:microsoft.com/office/officeart/2005/8/layout/orgChart1"/>
-    <dgm:cxn modelId="{11864AD9-66F1-4421-A1DE-26A73C6C3B88}" type="presOf" srcId="{FE3F7D0F-9444-49B1-845E-E30EBB17CFF5}" destId="{A7524BCE-373A-4987-BE39-2D9D0FF38E56}" srcOrd="0" destOrd="0" presId="urn:microsoft.com/office/officeart/2005/8/layout/orgChart1"/>
-    <dgm:cxn modelId="{841BB169-13C3-4738-BA57-DCD0414032CD}" type="presOf" srcId="{B97137E1-744D-46CA-A77E-86A11C420D7D}" destId="{32BA2C76-69FE-4500-810B-24A8A1CC5B0B}" srcOrd="1" destOrd="0" presId="urn:microsoft.com/office/officeart/2005/8/layout/orgChart1"/>
-    <dgm:cxn modelId="{05CAF5FA-AEC9-424C-B719-876C968E52B6}" srcId="{B32ECA63-1C60-4CDC-BD7A-BCB960984BF4}" destId="{3F9B2472-799D-4F22-AE2B-C21FBE70CAE2}" srcOrd="0" destOrd="0" parTransId="{A98143AF-F79D-4BBB-8942-9578381DBE3E}" sibTransId="{ED45F4AF-C4E4-42D7-8E20-E83AAF5C0F70}"/>
-    <dgm:cxn modelId="{8152DB40-1426-4402-AC5C-689BE4FD1838}" type="presOf" srcId="{552AFDC4-1069-4A00-A563-B2C523C5A094}" destId="{A6088ADE-8373-454B-8073-3EF4E8FA23E2}" srcOrd="0" destOrd="0" presId="urn:microsoft.com/office/officeart/2005/8/layout/orgChart1"/>
-    <dgm:cxn modelId="{6D3C73F4-02B8-4C37-9B13-5270BE274FC8}" type="presOf" srcId="{D453285A-16D7-444D-8422-9146654DD6BC}" destId="{5A513A83-C49C-46A5-8AB2-B00612607B04}" srcOrd="0" destOrd="0" presId="urn:microsoft.com/office/officeart/2005/8/layout/orgChart1"/>
-    <dgm:cxn modelId="{BD299A0B-ADBB-4DBE-AC1E-DD73579DADB8}" type="presOf" srcId="{B32ECA63-1C60-4CDC-BD7A-BCB960984BF4}" destId="{0DFEF5CA-3FB9-4783-B74B-58885E5DEAA4}" srcOrd="0" destOrd="0" presId="urn:microsoft.com/office/officeart/2005/8/layout/orgChart1"/>
-    <dgm:cxn modelId="{915D2126-FEF7-4382-894E-858B91B64F1B}" type="presOf" srcId="{A98143AF-F79D-4BBB-8942-9578381DBE3E}" destId="{197DF3C9-5E3F-43F6-8C11-6E43C29D401C}" srcOrd="0" destOrd="0" presId="urn:microsoft.com/office/officeart/2005/8/layout/orgChart1"/>
-    <dgm:cxn modelId="{0678A314-E49F-412C-A342-57F51B3336AB}" type="presOf" srcId="{66020745-553C-443A-B1E0-24FED1ABC55D}" destId="{E006A033-B1E2-4B7E-8562-51C3F9880777}" srcOrd="1" destOrd="0" presId="urn:microsoft.com/office/officeart/2005/8/layout/orgChart1"/>
-    <dgm:cxn modelId="{64BCA4F2-99E1-4CB0-B303-373F791FEBE3}" srcId="{B97137E1-744D-46CA-A77E-86A11C420D7D}" destId="{B0ED1D4B-20D2-477B-8B04-53AA9FCCE539}" srcOrd="0" destOrd="0" parTransId="{A6D0BFB6-A967-4D9E-B0E8-469F0246FE73}" sibTransId="{2FDF5B70-56BB-44D8-9C8C-8BB18E2CD3F7}"/>
-    <dgm:cxn modelId="{4945CA93-5679-4218-BD27-C4DD3F917E91}" srcId="{B0ED1D4B-20D2-477B-8B04-53AA9FCCE539}" destId="{61CCFA96-5DBF-4F18-9A4C-C5A8B16125F4}" srcOrd="0" destOrd="0" parTransId="{FE3F7D0F-9444-49B1-845E-E30EBB17CFF5}" sibTransId="{2F93E00B-2ADC-4362-8D72-009B8E4FF5CD}"/>
-    <dgm:cxn modelId="{913D5CBF-EC76-43E9-A328-3F4296DCD729}" srcId="{D453285A-16D7-444D-8422-9146654DD6BC}" destId="{B32ECA63-1C60-4CDC-BD7A-BCB960984BF4}" srcOrd="3" destOrd="0" parTransId="{07283082-9EBA-4315-A719-3440C7287313}" sibTransId="{D8857463-81E7-4C64-9D3C-E02FEE73705D}"/>
-    <dgm:cxn modelId="{2B4501CF-E0B8-4F98-A29C-7D2AD9DBDC61}" type="presOf" srcId="{61CCFA96-5DBF-4F18-9A4C-C5A8B16125F4}" destId="{25DDC3CA-1E14-4AF8-9581-E55956816626}" srcOrd="1" destOrd="0" presId="urn:microsoft.com/office/officeart/2005/8/layout/orgChart1"/>
     <dgm:cxn modelId="{8B5E66C5-7DF0-43F9-82D4-7B28E3206977}" type="presParOf" srcId="{C1A19A44-4AD4-45C2-ACA7-9ECD5174686C}" destId="{6B923205-2172-4313-A4A2-6715EC4C7B1E}" srcOrd="0" destOrd="0" presId="urn:microsoft.com/office/officeart/2005/8/layout/orgChart1"/>
     <dgm:cxn modelId="{8B53CF83-A5F1-4755-AA7C-797C171A1F40}" type="presParOf" srcId="{6B923205-2172-4313-A4A2-6715EC4C7B1E}" destId="{5CD83726-1E3D-4096-A788-C48F59DA0B18}" srcOrd="0" destOrd="0" presId="urn:microsoft.com/office/officeart/2005/8/layout/orgChart1"/>
     <dgm:cxn modelId="{B4D0004D-804E-46DB-8B09-224E72195D74}" type="presParOf" srcId="{5CD83726-1E3D-4096-A788-C48F59DA0B18}" destId="{5A513A83-C49C-46A5-8AB2-B00612607B04}" srcOrd="0" destOrd="0" presId="urn:microsoft.com/office/officeart/2005/8/layout/orgChart1"/>
@@ -5822,7 +5822,7 @@
     </p:spTree>
     <p:extLst>
       <p:ext uri="{BB962C8B-B14F-4D97-AF65-F5344CB8AC3E}">
-        <p14:creationId xmlns:p14="http://schemas.microsoft.com/office/powerpoint/2010/main" val="709431583"/>
+        <p14:creationId xmlns:p14="http://schemas.microsoft.com/office/powerpoint/2010/main" val="3861123607"/>
       </p:ext>
     </p:extLst>
   </p:cSld>
@@ -11200,7 +11200,7 @@
           <a:p>
             <a:r>
               <a:rPr lang="en-US" dirty="0" smtClean="0"/>
-              <a:t>Using Ivy to Obtain caGrid Jars </a:t>
+              <a:t>Example Usage</a:t>
             </a:r>
             <a:endParaRPr lang="en-US" dirty="0"/>
           </a:p>
@@ -11216,7 +11216,12 @@
             <p:ph idx="1"/>
           </p:nvPr>
         </p:nvSpPr>
-        <p:spPr/>
+        <p:spPr>
+          <a:xfrm>
+            <a:off x="304800" y="1219200"/>
+            <a:ext cx="8458200" cy="5105400"/>
+          </a:xfrm>
+        </p:spPr>
         <p:txBody>
           <a:bodyPr/>
           <a:lstStyle/>
@@ -11225,62 +11230,62 @@
               <a:buNone/>
             </a:pPr>
             <a:r>
-              <a:rPr lang="en-US" dirty="0" smtClean="0"/>
+              <a:rPr lang="en-US" dirty="0"/>
               <a:t>The caGrid Client Application Guide provides examples of the required </a:t>
             </a:r>
             <a:r>
-              <a:rPr lang="en-US" dirty="0" err="1" smtClean="0"/>
+              <a:rPr lang="en-US" dirty="0" err="1"/>
               <a:t>ivy.xml</a:t>
             </a:r>
             <a:r>
-              <a:rPr lang="en-US" dirty="0" smtClean="0"/>
+              <a:rPr lang="en-US" dirty="0"/>
               <a:t> dependencies that are needed to integrate with the following:</a:t>
             </a:r>
           </a:p>
           <a:p>
             <a:r>
-              <a:rPr lang="en-US" b="0" dirty="0" smtClean="0"/>
+              <a:rPr lang="en-US" b="0" dirty="0"/>
               <a:t>caGrid: basic dependencies for any grid-based application</a:t>
             </a:r>
           </a:p>
           <a:p>
             <a:r>
-              <a:rPr lang="en-US" b="0" dirty="0" smtClean="0"/>
+              <a:rPr lang="en-US" b="0" dirty="0"/>
               <a:t>GTS: programmatically synchronizing with the grid trust fabric</a:t>
             </a:r>
           </a:p>
           <a:p>
             <a:r>
-              <a:rPr lang="en-US" b="0" dirty="0" smtClean="0"/>
+              <a:rPr lang="en-US" b="0" dirty="0"/>
               <a:t>Dorian: registration and authorization</a:t>
             </a:r>
           </a:p>
           <a:p>
             <a:r>
-              <a:rPr lang="en-US" b="0" dirty="0" smtClean="0"/>
+              <a:rPr lang="en-US" b="0" dirty="0"/>
               <a:t>Index Service: Discovery of active grid services</a:t>
             </a:r>
           </a:p>
           <a:p>
             <a:r>
-              <a:rPr lang="en-US" b="0" dirty="0" smtClean="0"/>
+              <a:rPr lang="en-US" b="0" dirty="0"/>
               <a:t>Data Services: querying using the caGrid </a:t>
             </a:r>
             <a:r>
-              <a:rPr lang="en-US" b="0" dirty="0" err="1" smtClean="0"/>
+              <a:rPr lang="en-US" b="0" dirty="0" err="1"/>
               <a:t>DataServiceClient</a:t>
             </a:r>
-            <a:endParaRPr lang="en-US" b="0" dirty="0" smtClean="0"/>
-          </a:p>
-          <a:p>
-            <a:r>
-              <a:rPr lang="en-US" b="0" dirty="0" smtClean="0"/>
+            <a:endParaRPr lang="en-US" b="0" dirty="0"/>
+          </a:p>
+          <a:p>
+            <a:r>
+              <a:rPr lang="en-US" b="0" dirty="0"/>
               <a:t>Analytical Services: invoking analytical operations</a:t>
             </a:r>
           </a:p>
           <a:p>
             <a:r>
-              <a:rPr lang="en-US" b="0" dirty="0" smtClean="0"/>
+              <a:rPr lang="en-US" b="0" dirty="0"/>
               <a:t>Grid Grouper: viewing group membership</a:t>
             </a:r>
           </a:p>
@@ -11292,19 +11297,19 @@
               <a:buNone/>
             </a:pPr>
             <a:r>
-              <a:rPr lang="en-US" dirty="0" smtClean="0"/>
+              <a:rPr lang="en-US" dirty="0"/>
               <a:t>To be added:</a:t>
             </a:r>
           </a:p>
           <a:p>
             <a:r>
-              <a:rPr lang="en-US" b="0" dirty="0" smtClean="0"/>
+              <a:rPr lang="en-US" b="0" dirty="0"/>
               <a:t>COPPA PO and PA: invoking ISO21090 services</a:t>
             </a:r>
           </a:p>
           <a:p>
             <a:r>
-              <a:rPr lang="en-US" b="0" dirty="0" smtClean="0"/>
+              <a:rPr lang="en-US" b="0" dirty="0"/>
               <a:t>Add support for configuration of application to use the 4 published caGrid target grid configurations with the ‘ant configure’ task.</a:t>
             </a:r>
           </a:p>
@@ -11319,26 +11324,14 @@
               <a:rPr lang="en-US" dirty="0">
                 <a:hlinkClick r:id="rId2"/>
               </a:rPr>
-              <a:t>http://</a:t>
-            </a:r>
-            <a:r>
-              <a:rPr lang="en-US" dirty="0" err="1">
-                <a:hlinkClick r:id="rId2"/>
-              </a:rPr>
-              <a:t>cagrid.org</a:t>
-            </a:r>
-            <a:r>
-              <a:rPr lang="en-US" dirty="0">
-                <a:hlinkClick r:id="rId2"/>
-              </a:rPr>
-              <a:t>/display/knowledgebase/</a:t>
-            </a:r>
-            <a:r>
-              <a:rPr lang="en-US" dirty="0" err="1">
-                <a:hlinkClick r:id="rId2"/>
-              </a:rPr>
-              <a:t>Client+Application+Guide</a:t>
-            </a:r>
+              <a:t>http://cagrid.org/display/knowledgebase/Client+Application+Guide</a:t>
+            </a:r>
+            <a:endParaRPr lang="en-US" dirty="0"/>
+          </a:p>
+          <a:p>
+            <a:pPr marL="0" indent="0">
+              <a:buNone/>
+            </a:pPr>
             <a:endParaRPr lang="en-US" dirty="0"/>
           </a:p>
         </p:txBody>
@@ -11368,11 +11361,6 @@
         </p:txBody>
       </p:sp>
     </p:spTree>
-    <p:extLst>
-      <p:ext uri="{BB962C8B-B14F-4D97-AF65-F5344CB8AC3E}">
-        <p14:creationId xmlns:p14="http://schemas.microsoft.com/office/powerpoint/2010/main" val="1158643781"/>
-      </p:ext>
-    </p:extLst>
   </p:cSld>
   <p:clrMapOvr>
     <a:masterClrMapping/>
@@ -11542,24 +11530,24 @@
             <a:pPr lvl="1"/>
             <a:r>
               <a:rPr lang="en-US" sz="2800" dirty="0" smtClean="0"/>
-              <a:t>Buildable projects identified </a:t>
-            </a:r>
-            <a:r>
-              <a:rPr lang="en-US" sz="2800" dirty="0"/>
-              <a:t>by dependencies-</a:t>
-            </a:r>
-            <a:r>
-              <a:rPr lang="en-US" sz="2800" dirty="0" err="1" smtClean="0"/>
-              <a:t>build.xml</a:t>
+              <a:t>Finds projects by looking for </a:t>
+            </a:r>
+            <a:r>
+              <a:rPr lang="en-US" sz="2400" dirty="0" smtClean="0">
+                <a:latin typeface="Courier New" pitchFamily="49" charset="0"/>
+                <a:cs typeface="Courier New" pitchFamily="49" charset="0"/>
+              </a:rPr>
+              <a:t>ivy.xml</a:t>
             </a:r>
             <a:r>
               <a:rPr lang="en-US" sz="2800" dirty="0" smtClean="0"/>
-              <a:t> file in </a:t>
-            </a:r>
-            <a:r>
-              <a:rPr lang="en-US" sz="2800" smtClean="0"/>
-              <a:t>project directory.</a:t>
-            </a:r>
+              <a:t> files. </a:t>
+            </a:r>
+          </a:p>
+          <a:p>
+            <a:pPr lvl="1">
+              <a:buNone/>
+            </a:pPr>
             <a:endParaRPr lang="en-US" sz="2800" b="0" dirty="0" smtClean="0"/>
           </a:p>
           <a:p>
@@ -11726,7 +11714,18 @@
             </a:br>
             <a:r>
               <a:rPr lang="en-US" sz="2400" b="0" dirty="0" smtClean="0"/>
-              <a:t>Reads files from a properties file, overriding any subsequent property definitions.</a:t>
+              <a:t>For local customization. Reads file </a:t>
+            </a:r>
+            <a:r>
+              <a:rPr lang="en-US" sz="2400" b="0" dirty="0" err="1" smtClean="0">
+                <a:latin typeface="Courier New" pitchFamily="49" charset="0"/>
+                <a:cs typeface="Courier New" pitchFamily="49" charset="0"/>
+              </a:rPr>
+              <a:t>build.properties</a:t>
+            </a:r>
+            <a:r>
+              <a:rPr lang="en-US" sz="2400" b="0" dirty="0" smtClean="0"/>
+              <a:t>, if it exists, overriding any subsequent property definitions.</a:t>
             </a:r>
           </a:p>
           <a:p>
@@ -12265,7 +12264,15 @@
           <a:p>
             <a:r>
               <a:rPr lang="en-US" sz="2800" b="0" dirty="0" smtClean="0"/>
-              <a:t>When ant is run with –v, contains .html reports that help you find out where a dependency is coming from.</a:t>
+              <a:t>When ant is run with –v, contains .xml reports that help you find where a </a:t>
+            </a:r>
+            <a:r>
+              <a:rPr lang="en-US" sz="2800" b="0" smtClean="0"/>
+              <a:t>dependency comes </a:t>
+            </a:r>
+            <a:r>
+              <a:rPr lang="en-US" sz="2800" b="0" dirty="0" smtClean="0"/>
+              <a:t>from.</a:t>
             </a:r>
           </a:p>
           <a:p>
@@ -12399,6 +12406,12 @@
               <a:t>project.properties</a:t>
             </a:r>
             <a:endParaRPr lang="en-US" sz="2800" b="0" dirty="0" smtClean="0"/>
+          </a:p>
+          <a:p>
+            <a:r>
+              <a:rPr lang="en-US" sz="2800" b="0" dirty="0" smtClean="0"/>
+              <a:t>dependencies-build.xml</a:t>
+            </a:r>
           </a:p>
           <a:p>
             <a:pPr>

--- a/cagrid/Documentation/general/meetings/UGM/2011-01-19_Ant-and-Ivy-Use-in-caGrid.pptx
+++ b/cagrid/Documentation/general/meetings/UGM/2011-01-19_Ant-and-Ivy-Use-in-caGrid.pptx
@@ -1940,46 +1940,46 @@
     </dgm:pt>
   </dgm:ptLst>
   <dgm:cxnLst>
+    <dgm:cxn modelId="{3A956C1A-AF84-40BE-A327-9C91F9F122D4}" type="presOf" srcId="{E98EBD68-9DE1-470C-9F18-2B8C25A9D113}" destId="{C1A19A44-4AD4-45C2-ACA7-9ECD5174686C}" srcOrd="0" destOrd="0" presId="urn:microsoft.com/office/officeart/2005/8/layout/orgChart1"/>
+    <dgm:cxn modelId="{06FB0CEE-34C1-4D59-8194-FFBCFB7D87D9}" type="presOf" srcId="{3E6C4596-0222-492B-8665-DE04BCB95D53}" destId="{6795BEA5-86D5-4F08-96B8-BCF785345978}" srcOrd="0" destOrd="0" presId="urn:microsoft.com/office/officeart/2005/8/layout/orgChart1"/>
+    <dgm:cxn modelId="{B5FA99AB-5A6A-4AA3-A38E-FD4A11AFCA7A}" type="presOf" srcId="{07283082-9EBA-4315-A719-3440C7287313}" destId="{5BF884FA-D746-42E2-9C2D-88F541DE026B}" srcOrd="0" destOrd="0" presId="urn:microsoft.com/office/officeart/2005/8/layout/orgChart1"/>
+    <dgm:cxn modelId="{2E59871B-CFDC-468E-BDB1-839ED5489C3F}" type="presOf" srcId="{B97137E1-744D-46CA-A77E-86A11C420D7D}" destId="{FCC39FFD-29E7-468C-87A6-008AFF9C0A75}" srcOrd="0" destOrd="0" presId="urn:microsoft.com/office/officeart/2005/8/layout/orgChart1"/>
+    <dgm:cxn modelId="{F08CA894-4247-434D-8328-F1B6C4CF7579}" type="presOf" srcId="{81FCED42-4BDB-42FF-8C6F-0AC9C2D6473D}" destId="{B24931C7-AB57-4101-A0C6-8585DBC9B1A6}" srcOrd="0" destOrd="0" presId="urn:microsoft.com/office/officeart/2005/8/layout/orgChart1"/>
+    <dgm:cxn modelId="{13FC1864-A586-4D40-9DEF-5ECACAE69ED5}" type="presOf" srcId="{B0ED1D4B-20D2-477B-8B04-53AA9FCCE539}" destId="{2882621B-22DD-463A-A82D-AEA40EC7B66E}" srcOrd="1" destOrd="0" presId="urn:microsoft.com/office/officeart/2005/8/layout/orgChart1"/>
     <dgm:cxn modelId="{61AD276E-1C4B-4D20-896D-FDB66683EB32}" type="presOf" srcId="{B32ECA63-1C60-4CDC-BD7A-BCB960984BF4}" destId="{460AA7C7-8AB6-494F-9A22-1681A8189E59}" srcOrd="1" destOrd="0" presId="urn:microsoft.com/office/officeart/2005/8/layout/orgChart1"/>
+    <dgm:cxn modelId="{43EA34D3-0710-4208-A52F-79635E8DCE39}" type="presOf" srcId="{B16E1758-A1AC-43FF-811A-09F931F77023}" destId="{3C4EEABA-0957-4709-A492-4050D308906B}" srcOrd="0" destOrd="0" presId="urn:microsoft.com/office/officeart/2005/8/layout/orgChart1"/>
+    <dgm:cxn modelId="{1EEEB92F-DFCB-4658-8D60-1597EB32B26A}" type="presOf" srcId="{66020745-553C-443A-B1E0-24FED1ABC55D}" destId="{C19D0ECA-7F5F-4205-820D-EEFE33B2A973}" srcOrd="0" destOrd="0" presId="urn:microsoft.com/office/officeart/2005/8/layout/orgChart1"/>
+    <dgm:cxn modelId="{E9A43683-4662-4F25-9B5A-BCA9BCB99744}" type="presOf" srcId="{68AC985A-0F09-452B-833C-8DBC5183601A}" destId="{C4C55304-6BC8-4D0B-91B1-503383CA1D90}" srcOrd="0" destOrd="0" presId="urn:microsoft.com/office/officeart/2005/8/layout/orgChart1"/>
+    <dgm:cxn modelId="{643DDD6C-DC33-40C5-B492-634FA3DB00D0}" srcId="{D453285A-16D7-444D-8422-9146654DD6BC}" destId="{32875298-610D-4C08-BA56-661060A72C81}" srcOrd="0" destOrd="0" parTransId="{3E6C4596-0222-492B-8665-DE04BCB95D53}" sibTransId="{C0B97E59-4E17-4778-97A8-392CEB1A18DB}"/>
+    <dgm:cxn modelId="{26D91F0A-898A-4995-8C2C-7AE49B332FE9}" type="presOf" srcId="{32875298-610D-4C08-BA56-661060A72C81}" destId="{3390195C-7259-436E-B118-74FB12BD0C9A}" srcOrd="1" destOrd="0" presId="urn:microsoft.com/office/officeart/2005/8/layout/orgChart1"/>
+    <dgm:cxn modelId="{E9DDD9DA-22BE-449F-AF93-ECB2CC20323A}" srcId="{D453285A-16D7-444D-8422-9146654DD6BC}" destId="{68AC985A-0F09-452B-833C-8DBC5183601A}" srcOrd="5" destOrd="0" parTransId="{B16E1758-A1AC-43FF-811A-09F931F77023}" sibTransId="{8460111A-A082-4648-9D54-07AB682BE2CA}"/>
+    <dgm:cxn modelId="{570A282E-CEDA-45BB-8F0B-39D2291477AA}" srcId="{D453285A-16D7-444D-8422-9146654DD6BC}" destId="{66020745-553C-443A-B1E0-24FED1ABC55D}" srcOrd="4" destOrd="0" parTransId="{8E6581E5-6A8A-46E7-A0B2-71FDE8596BB5}" sibTransId="{BB9C9F65-31B9-4AA6-A298-D968C521A674}"/>
+    <dgm:cxn modelId="{42F7FBAB-DE00-4E69-BEAB-9AC09082EF94}" type="presOf" srcId="{68AC985A-0F09-452B-833C-8DBC5183601A}" destId="{B369FDA3-BB17-472E-85A1-76FE55CC4471}" srcOrd="1" destOrd="0" presId="urn:microsoft.com/office/officeart/2005/8/layout/orgChart1"/>
+    <dgm:cxn modelId="{E09A655F-F038-43E7-9A83-C8C36AC6D734}" type="presOf" srcId="{BA71A16F-6682-43FC-A465-BED2C1D46BA7}" destId="{E9F4595B-F883-4383-9261-1A20EF7B830B}" srcOrd="1" destOrd="0" presId="urn:microsoft.com/office/officeart/2005/8/layout/orgChart1"/>
+    <dgm:cxn modelId="{8C4EF5D0-455E-4ECF-BE58-166947F88956}" srcId="{D453285A-16D7-444D-8422-9146654DD6BC}" destId="{B97137E1-744D-46CA-A77E-86A11C420D7D}" srcOrd="2" destOrd="0" parTransId="{81FCED42-4BDB-42FF-8C6F-0AC9C2D6473D}" sibTransId="{18961F32-4259-402C-BC1C-C2958F817872}"/>
+    <dgm:cxn modelId="{658AD65F-FB52-4183-9AD9-31141E6281FD}" type="presOf" srcId="{BA71A16F-6682-43FC-A465-BED2C1D46BA7}" destId="{402B6F85-0DBF-41C0-B5E2-A4B5088CE976}" srcOrd="0" destOrd="0" presId="urn:microsoft.com/office/officeart/2005/8/layout/orgChart1"/>
+    <dgm:cxn modelId="{A077D663-C164-4BC1-9011-49709AEC3FA9}" srcId="{D453285A-16D7-444D-8422-9146654DD6BC}" destId="{BA71A16F-6682-43FC-A465-BED2C1D46BA7}" srcOrd="1" destOrd="0" parTransId="{552AFDC4-1069-4A00-A563-B2C523C5A094}" sibTransId="{B575D406-7A91-48D7-B1B9-CF43A97B0B35}"/>
+    <dgm:cxn modelId="{0D26D352-CE06-4C80-9D89-ED4237F61548}" type="presOf" srcId="{3F9B2472-799D-4F22-AE2B-C21FBE70CAE2}" destId="{A5C65385-3CE4-41DE-A584-EBB14C06E748}" srcOrd="0" destOrd="0" presId="urn:microsoft.com/office/officeart/2005/8/layout/orgChart1"/>
+    <dgm:cxn modelId="{9BCBBF4F-DFD6-49B6-B1F4-9D4045178033}" type="presOf" srcId="{D453285A-16D7-444D-8422-9146654DD6BC}" destId="{CDD5D1C2-E0C1-4F78-8385-EBEF5A57A388}" srcOrd="1" destOrd="0" presId="urn:microsoft.com/office/officeart/2005/8/layout/orgChart1"/>
+    <dgm:cxn modelId="{C3C38B50-29A6-499A-80A9-9B921536A28C}" type="presOf" srcId="{32875298-610D-4C08-BA56-661060A72C81}" destId="{33E372E9-F59C-40D7-AEC5-8483E91D0B34}" srcOrd="0" destOrd="0" presId="urn:microsoft.com/office/officeart/2005/8/layout/orgChart1"/>
+    <dgm:cxn modelId="{36BB1028-0749-408A-9EEB-99B492CC6BEB}" type="presOf" srcId="{A6D0BFB6-A967-4D9E-B0E8-469F0246FE73}" destId="{7719AD79-A762-4AB3-9FAD-48F6488B68D0}" srcOrd="0" destOrd="0" presId="urn:microsoft.com/office/officeart/2005/8/layout/orgChart1"/>
+    <dgm:cxn modelId="{34E6454D-07D1-4AE1-A0CA-16D1598C799D}" type="presOf" srcId="{61CCFA96-5DBF-4F18-9A4C-C5A8B16125F4}" destId="{E23E4AC3-D91D-4E9D-B56E-BDCA526E3034}" srcOrd="0" destOrd="0" presId="urn:microsoft.com/office/officeart/2005/8/layout/orgChart1"/>
+    <dgm:cxn modelId="{86613C33-8289-47B8-B4F9-FBAF0BE6AF8C}" srcId="{E98EBD68-9DE1-470C-9F18-2B8C25A9D113}" destId="{D453285A-16D7-444D-8422-9146654DD6BC}" srcOrd="0" destOrd="0" parTransId="{21856F45-003E-429F-889B-91F73F5D72AB}" sibTransId="{B807043E-6539-475E-AD31-00CC9F14ACFA}"/>
+    <dgm:cxn modelId="{BB1731EA-DD35-4E79-B5F9-70858F941F24}" type="presOf" srcId="{3F9B2472-799D-4F22-AE2B-C21FBE70CAE2}" destId="{8796A685-97F4-414B-81AD-F847FB41EFCC}" srcOrd="1" destOrd="0" presId="urn:microsoft.com/office/officeart/2005/8/layout/orgChart1"/>
+    <dgm:cxn modelId="{645157BF-E9A8-4EDA-8627-D5321B83FC38}" type="presOf" srcId="{8E6581E5-6A8A-46E7-A0B2-71FDE8596BB5}" destId="{E07B00B3-1304-4287-B7F9-6A2EC76914C5}" srcOrd="0" destOrd="0" presId="urn:microsoft.com/office/officeart/2005/8/layout/orgChart1"/>
+    <dgm:cxn modelId="{A51E2ED0-8890-4167-AB38-90B1ECC5B2F2}" type="presOf" srcId="{B0ED1D4B-20D2-477B-8B04-53AA9FCCE539}" destId="{E3D05836-2B6B-4711-8055-D821DF4A72D1}" srcOrd="0" destOrd="0" presId="urn:microsoft.com/office/officeart/2005/8/layout/orgChart1"/>
+    <dgm:cxn modelId="{11864AD9-66F1-4421-A1DE-26A73C6C3B88}" type="presOf" srcId="{FE3F7D0F-9444-49B1-845E-E30EBB17CFF5}" destId="{A7524BCE-373A-4987-BE39-2D9D0FF38E56}" srcOrd="0" destOrd="0" presId="urn:microsoft.com/office/officeart/2005/8/layout/orgChart1"/>
+    <dgm:cxn modelId="{841BB169-13C3-4738-BA57-DCD0414032CD}" type="presOf" srcId="{B97137E1-744D-46CA-A77E-86A11C420D7D}" destId="{32BA2C76-69FE-4500-810B-24A8A1CC5B0B}" srcOrd="1" destOrd="0" presId="urn:microsoft.com/office/officeart/2005/8/layout/orgChart1"/>
+    <dgm:cxn modelId="{05CAF5FA-AEC9-424C-B719-876C968E52B6}" srcId="{B32ECA63-1C60-4CDC-BD7A-BCB960984BF4}" destId="{3F9B2472-799D-4F22-AE2B-C21FBE70CAE2}" srcOrd="0" destOrd="0" parTransId="{A98143AF-F79D-4BBB-8942-9578381DBE3E}" sibTransId="{ED45F4AF-C4E4-42D7-8E20-E83AAF5C0F70}"/>
+    <dgm:cxn modelId="{8152DB40-1426-4402-AC5C-689BE4FD1838}" type="presOf" srcId="{552AFDC4-1069-4A00-A563-B2C523C5A094}" destId="{A6088ADE-8373-454B-8073-3EF4E8FA23E2}" srcOrd="0" destOrd="0" presId="urn:microsoft.com/office/officeart/2005/8/layout/orgChart1"/>
+    <dgm:cxn modelId="{6D3C73F4-02B8-4C37-9B13-5270BE274FC8}" type="presOf" srcId="{D453285A-16D7-444D-8422-9146654DD6BC}" destId="{5A513A83-C49C-46A5-8AB2-B00612607B04}" srcOrd="0" destOrd="0" presId="urn:microsoft.com/office/officeart/2005/8/layout/orgChart1"/>
+    <dgm:cxn modelId="{BD299A0B-ADBB-4DBE-AC1E-DD73579DADB8}" type="presOf" srcId="{B32ECA63-1C60-4CDC-BD7A-BCB960984BF4}" destId="{0DFEF5CA-3FB9-4783-B74B-58885E5DEAA4}" srcOrd="0" destOrd="0" presId="urn:microsoft.com/office/officeart/2005/8/layout/orgChart1"/>
     <dgm:cxn modelId="{915D2126-FEF7-4382-894E-858B91B64F1B}" type="presOf" srcId="{A98143AF-F79D-4BBB-8942-9578381DBE3E}" destId="{197DF3C9-5E3F-43F6-8C11-6E43C29D401C}" srcOrd="0" destOrd="0" presId="urn:microsoft.com/office/officeart/2005/8/layout/orgChart1"/>
-    <dgm:cxn modelId="{13FC1864-A586-4D40-9DEF-5ECACAE69ED5}" type="presOf" srcId="{B0ED1D4B-20D2-477B-8B04-53AA9FCCE539}" destId="{2882621B-22DD-463A-A82D-AEA40EC7B66E}" srcOrd="1" destOrd="0" presId="urn:microsoft.com/office/officeart/2005/8/layout/orgChart1"/>
-    <dgm:cxn modelId="{8152DB40-1426-4402-AC5C-689BE4FD1838}" type="presOf" srcId="{552AFDC4-1069-4A00-A563-B2C523C5A094}" destId="{A6088ADE-8373-454B-8073-3EF4E8FA23E2}" srcOrd="0" destOrd="0" presId="urn:microsoft.com/office/officeart/2005/8/layout/orgChart1"/>
+    <dgm:cxn modelId="{0678A314-E49F-412C-A342-57F51B3336AB}" type="presOf" srcId="{66020745-553C-443A-B1E0-24FED1ABC55D}" destId="{E006A033-B1E2-4B7E-8562-51C3F9880777}" srcOrd="1" destOrd="0" presId="urn:microsoft.com/office/officeart/2005/8/layout/orgChart1"/>
     <dgm:cxn modelId="{64BCA4F2-99E1-4CB0-B303-373F791FEBE3}" srcId="{B97137E1-744D-46CA-A77E-86A11C420D7D}" destId="{B0ED1D4B-20D2-477B-8B04-53AA9FCCE539}" srcOrd="0" destOrd="0" parTransId="{A6D0BFB6-A967-4D9E-B0E8-469F0246FE73}" sibTransId="{2FDF5B70-56BB-44D8-9C8C-8BB18E2CD3F7}"/>
-    <dgm:cxn modelId="{2E59871B-CFDC-468E-BDB1-839ED5489C3F}" type="presOf" srcId="{B97137E1-744D-46CA-A77E-86A11C420D7D}" destId="{FCC39FFD-29E7-468C-87A6-008AFF9C0A75}" srcOrd="0" destOrd="0" presId="urn:microsoft.com/office/officeart/2005/8/layout/orgChart1"/>
-    <dgm:cxn modelId="{A51E2ED0-8890-4167-AB38-90B1ECC5B2F2}" type="presOf" srcId="{B0ED1D4B-20D2-477B-8B04-53AA9FCCE539}" destId="{E3D05836-2B6B-4711-8055-D821DF4A72D1}" srcOrd="0" destOrd="0" presId="urn:microsoft.com/office/officeart/2005/8/layout/orgChart1"/>
-    <dgm:cxn modelId="{570A282E-CEDA-45BB-8F0B-39D2291477AA}" srcId="{D453285A-16D7-444D-8422-9146654DD6BC}" destId="{66020745-553C-443A-B1E0-24FED1ABC55D}" srcOrd="4" destOrd="0" parTransId="{8E6581E5-6A8A-46E7-A0B2-71FDE8596BB5}" sibTransId="{BB9C9F65-31B9-4AA6-A298-D968C521A674}"/>
-    <dgm:cxn modelId="{643DDD6C-DC33-40C5-B492-634FA3DB00D0}" srcId="{D453285A-16D7-444D-8422-9146654DD6BC}" destId="{32875298-610D-4C08-BA56-661060A72C81}" srcOrd="0" destOrd="0" parTransId="{3E6C4596-0222-492B-8665-DE04BCB95D53}" sibTransId="{C0B97E59-4E17-4778-97A8-392CEB1A18DB}"/>
-    <dgm:cxn modelId="{E9DDD9DA-22BE-449F-AF93-ECB2CC20323A}" srcId="{D453285A-16D7-444D-8422-9146654DD6BC}" destId="{68AC985A-0F09-452B-833C-8DBC5183601A}" srcOrd="5" destOrd="0" parTransId="{B16E1758-A1AC-43FF-811A-09F931F77023}" sibTransId="{8460111A-A082-4648-9D54-07AB682BE2CA}"/>
-    <dgm:cxn modelId="{11864AD9-66F1-4421-A1DE-26A73C6C3B88}" type="presOf" srcId="{FE3F7D0F-9444-49B1-845E-E30EBB17CFF5}" destId="{A7524BCE-373A-4987-BE39-2D9D0FF38E56}" srcOrd="0" destOrd="0" presId="urn:microsoft.com/office/officeart/2005/8/layout/orgChart1"/>
-    <dgm:cxn modelId="{26D91F0A-898A-4995-8C2C-7AE49B332FE9}" type="presOf" srcId="{32875298-610D-4C08-BA56-661060A72C81}" destId="{3390195C-7259-436E-B118-74FB12BD0C9A}" srcOrd="1" destOrd="0" presId="urn:microsoft.com/office/officeart/2005/8/layout/orgChart1"/>
-    <dgm:cxn modelId="{0678A314-E49F-412C-A342-57F51B3336AB}" type="presOf" srcId="{66020745-553C-443A-B1E0-24FED1ABC55D}" destId="{E006A033-B1E2-4B7E-8562-51C3F9880777}" srcOrd="1" destOrd="0" presId="urn:microsoft.com/office/officeart/2005/8/layout/orgChart1"/>
-    <dgm:cxn modelId="{E09A655F-F038-43E7-9A83-C8C36AC6D734}" type="presOf" srcId="{BA71A16F-6682-43FC-A465-BED2C1D46BA7}" destId="{E9F4595B-F883-4383-9261-1A20EF7B830B}" srcOrd="1" destOrd="0" presId="urn:microsoft.com/office/officeart/2005/8/layout/orgChart1"/>
-    <dgm:cxn modelId="{F08CA894-4247-434D-8328-F1B6C4CF7579}" type="presOf" srcId="{81FCED42-4BDB-42FF-8C6F-0AC9C2D6473D}" destId="{B24931C7-AB57-4101-A0C6-8585DBC9B1A6}" srcOrd="0" destOrd="0" presId="urn:microsoft.com/office/officeart/2005/8/layout/orgChart1"/>
-    <dgm:cxn modelId="{8C4EF5D0-455E-4ECF-BE58-166947F88956}" srcId="{D453285A-16D7-444D-8422-9146654DD6BC}" destId="{B97137E1-744D-46CA-A77E-86A11C420D7D}" srcOrd="2" destOrd="0" parTransId="{81FCED42-4BDB-42FF-8C6F-0AC9C2D6473D}" sibTransId="{18961F32-4259-402C-BC1C-C2958F817872}"/>
-    <dgm:cxn modelId="{BD299A0B-ADBB-4DBE-AC1E-DD73579DADB8}" type="presOf" srcId="{B32ECA63-1C60-4CDC-BD7A-BCB960984BF4}" destId="{0DFEF5CA-3FB9-4783-B74B-58885E5DEAA4}" srcOrd="0" destOrd="0" presId="urn:microsoft.com/office/officeart/2005/8/layout/orgChart1"/>
-    <dgm:cxn modelId="{B5FA99AB-5A6A-4AA3-A38E-FD4A11AFCA7A}" type="presOf" srcId="{07283082-9EBA-4315-A719-3440C7287313}" destId="{5BF884FA-D746-42E2-9C2D-88F541DE026B}" srcOrd="0" destOrd="0" presId="urn:microsoft.com/office/officeart/2005/8/layout/orgChart1"/>
-    <dgm:cxn modelId="{A077D663-C164-4BC1-9011-49709AEC3FA9}" srcId="{D453285A-16D7-444D-8422-9146654DD6BC}" destId="{BA71A16F-6682-43FC-A465-BED2C1D46BA7}" srcOrd="1" destOrd="0" parTransId="{552AFDC4-1069-4A00-A563-B2C523C5A094}" sibTransId="{B575D406-7A91-48D7-B1B9-CF43A97B0B35}"/>
-    <dgm:cxn modelId="{9BCBBF4F-DFD6-49B6-B1F4-9D4045178033}" type="presOf" srcId="{D453285A-16D7-444D-8422-9146654DD6BC}" destId="{CDD5D1C2-E0C1-4F78-8385-EBEF5A57A388}" srcOrd="1" destOrd="0" presId="urn:microsoft.com/office/officeart/2005/8/layout/orgChart1"/>
-    <dgm:cxn modelId="{06FB0CEE-34C1-4D59-8194-FFBCFB7D87D9}" type="presOf" srcId="{3E6C4596-0222-492B-8665-DE04BCB95D53}" destId="{6795BEA5-86D5-4F08-96B8-BCF785345978}" srcOrd="0" destOrd="0" presId="urn:microsoft.com/office/officeart/2005/8/layout/orgChart1"/>
-    <dgm:cxn modelId="{E9A43683-4662-4F25-9B5A-BCA9BCB99744}" type="presOf" srcId="{68AC985A-0F09-452B-833C-8DBC5183601A}" destId="{C4C55304-6BC8-4D0B-91B1-503383CA1D90}" srcOrd="0" destOrd="0" presId="urn:microsoft.com/office/officeart/2005/8/layout/orgChart1"/>
-    <dgm:cxn modelId="{05CAF5FA-AEC9-424C-B719-876C968E52B6}" srcId="{B32ECA63-1C60-4CDC-BD7A-BCB960984BF4}" destId="{3F9B2472-799D-4F22-AE2B-C21FBE70CAE2}" srcOrd="0" destOrd="0" parTransId="{A98143AF-F79D-4BBB-8942-9578381DBE3E}" sibTransId="{ED45F4AF-C4E4-42D7-8E20-E83AAF5C0F70}"/>
+    <dgm:cxn modelId="{4945CA93-5679-4218-BD27-C4DD3F917E91}" srcId="{B0ED1D4B-20D2-477B-8B04-53AA9FCCE539}" destId="{61CCFA96-5DBF-4F18-9A4C-C5A8B16125F4}" srcOrd="0" destOrd="0" parTransId="{FE3F7D0F-9444-49B1-845E-E30EBB17CFF5}" sibTransId="{2F93E00B-2ADC-4362-8D72-009B8E4FF5CD}"/>
     <dgm:cxn modelId="{913D5CBF-EC76-43E9-A328-3F4296DCD729}" srcId="{D453285A-16D7-444D-8422-9146654DD6BC}" destId="{B32ECA63-1C60-4CDC-BD7A-BCB960984BF4}" srcOrd="3" destOrd="0" parTransId="{07283082-9EBA-4315-A719-3440C7287313}" sibTransId="{D8857463-81E7-4C64-9D3C-E02FEE73705D}"/>
-    <dgm:cxn modelId="{86613C33-8289-47B8-B4F9-FBAF0BE6AF8C}" srcId="{E98EBD68-9DE1-470C-9F18-2B8C25A9D113}" destId="{D453285A-16D7-444D-8422-9146654DD6BC}" srcOrd="0" destOrd="0" parTransId="{21856F45-003E-429F-889B-91F73F5D72AB}" sibTransId="{B807043E-6539-475E-AD31-00CC9F14ACFA}"/>
-    <dgm:cxn modelId="{841BB169-13C3-4738-BA57-DCD0414032CD}" type="presOf" srcId="{B97137E1-744D-46CA-A77E-86A11C420D7D}" destId="{32BA2C76-69FE-4500-810B-24A8A1CC5B0B}" srcOrd="1" destOrd="0" presId="urn:microsoft.com/office/officeart/2005/8/layout/orgChart1"/>
-    <dgm:cxn modelId="{42F7FBAB-DE00-4E69-BEAB-9AC09082EF94}" type="presOf" srcId="{68AC985A-0F09-452B-833C-8DBC5183601A}" destId="{B369FDA3-BB17-472E-85A1-76FE55CC4471}" srcOrd="1" destOrd="0" presId="urn:microsoft.com/office/officeart/2005/8/layout/orgChart1"/>
-    <dgm:cxn modelId="{658AD65F-FB52-4183-9AD9-31141E6281FD}" type="presOf" srcId="{BA71A16F-6682-43FC-A465-BED2C1D46BA7}" destId="{402B6F85-0DBF-41C0-B5E2-A4B5088CE976}" srcOrd="0" destOrd="0" presId="urn:microsoft.com/office/officeart/2005/8/layout/orgChart1"/>
     <dgm:cxn modelId="{2B4501CF-E0B8-4F98-A29C-7D2AD9DBDC61}" type="presOf" srcId="{61CCFA96-5DBF-4F18-9A4C-C5A8B16125F4}" destId="{25DDC3CA-1E14-4AF8-9581-E55956816626}" srcOrd="1" destOrd="0" presId="urn:microsoft.com/office/officeart/2005/8/layout/orgChart1"/>
-    <dgm:cxn modelId="{1EEEB92F-DFCB-4658-8D60-1597EB32B26A}" type="presOf" srcId="{66020745-553C-443A-B1E0-24FED1ABC55D}" destId="{C19D0ECA-7F5F-4205-820D-EEFE33B2A973}" srcOrd="0" destOrd="0" presId="urn:microsoft.com/office/officeart/2005/8/layout/orgChart1"/>
-    <dgm:cxn modelId="{43EA34D3-0710-4208-A52F-79635E8DCE39}" type="presOf" srcId="{B16E1758-A1AC-43FF-811A-09F931F77023}" destId="{3C4EEABA-0957-4709-A492-4050D308906B}" srcOrd="0" destOrd="0" presId="urn:microsoft.com/office/officeart/2005/8/layout/orgChart1"/>
-    <dgm:cxn modelId="{0D26D352-CE06-4C80-9D89-ED4237F61548}" type="presOf" srcId="{3F9B2472-799D-4F22-AE2B-C21FBE70CAE2}" destId="{A5C65385-3CE4-41DE-A584-EBB14C06E748}" srcOrd="0" destOrd="0" presId="urn:microsoft.com/office/officeart/2005/8/layout/orgChart1"/>
-    <dgm:cxn modelId="{34E6454D-07D1-4AE1-A0CA-16D1598C799D}" type="presOf" srcId="{61CCFA96-5DBF-4F18-9A4C-C5A8B16125F4}" destId="{E23E4AC3-D91D-4E9D-B56E-BDCA526E3034}" srcOrd="0" destOrd="0" presId="urn:microsoft.com/office/officeart/2005/8/layout/orgChart1"/>
-    <dgm:cxn modelId="{4945CA93-5679-4218-BD27-C4DD3F917E91}" srcId="{B0ED1D4B-20D2-477B-8B04-53AA9FCCE539}" destId="{61CCFA96-5DBF-4F18-9A4C-C5A8B16125F4}" srcOrd="0" destOrd="0" parTransId="{FE3F7D0F-9444-49B1-845E-E30EBB17CFF5}" sibTransId="{2F93E00B-2ADC-4362-8D72-009B8E4FF5CD}"/>
-    <dgm:cxn modelId="{645157BF-E9A8-4EDA-8627-D5321B83FC38}" type="presOf" srcId="{8E6581E5-6A8A-46E7-A0B2-71FDE8596BB5}" destId="{E07B00B3-1304-4287-B7F9-6A2EC76914C5}" srcOrd="0" destOrd="0" presId="urn:microsoft.com/office/officeart/2005/8/layout/orgChart1"/>
-    <dgm:cxn modelId="{3A956C1A-AF84-40BE-A327-9C91F9F122D4}" type="presOf" srcId="{E98EBD68-9DE1-470C-9F18-2B8C25A9D113}" destId="{C1A19A44-4AD4-45C2-ACA7-9ECD5174686C}" srcOrd="0" destOrd="0" presId="urn:microsoft.com/office/officeart/2005/8/layout/orgChart1"/>
-    <dgm:cxn modelId="{C3C38B50-29A6-499A-80A9-9B921536A28C}" type="presOf" srcId="{32875298-610D-4C08-BA56-661060A72C81}" destId="{33E372E9-F59C-40D7-AEC5-8483E91D0B34}" srcOrd="0" destOrd="0" presId="urn:microsoft.com/office/officeart/2005/8/layout/orgChart1"/>
-    <dgm:cxn modelId="{6D3C73F4-02B8-4C37-9B13-5270BE274FC8}" type="presOf" srcId="{D453285A-16D7-444D-8422-9146654DD6BC}" destId="{5A513A83-C49C-46A5-8AB2-B00612607B04}" srcOrd="0" destOrd="0" presId="urn:microsoft.com/office/officeart/2005/8/layout/orgChart1"/>
-    <dgm:cxn modelId="{36BB1028-0749-408A-9EEB-99B492CC6BEB}" type="presOf" srcId="{A6D0BFB6-A967-4D9E-B0E8-469F0246FE73}" destId="{7719AD79-A762-4AB3-9FAD-48F6488B68D0}" srcOrd="0" destOrd="0" presId="urn:microsoft.com/office/officeart/2005/8/layout/orgChart1"/>
-    <dgm:cxn modelId="{BB1731EA-DD35-4E79-B5F9-70858F941F24}" type="presOf" srcId="{3F9B2472-799D-4F22-AE2B-C21FBE70CAE2}" destId="{8796A685-97F4-414B-81AD-F847FB41EFCC}" srcOrd="1" destOrd="0" presId="urn:microsoft.com/office/officeart/2005/8/layout/orgChart1"/>
     <dgm:cxn modelId="{8B5E66C5-7DF0-43F9-82D4-7B28E3206977}" type="presParOf" srcId="{C1A19A44-4AD4-45C2-ACA7-9ECD5174686C}" destId="{6B923205-2172-4313-A4A2-6715EC4C7B1E}" srcOrd="0" destOrd="0" presId="urn:microsoft.com/office/officeart/2005/8/layout/orgChart1"/>
     <dgm:cxn modelId="{8B53CF83-A5F1-4755-AA7C-797C171A1F40}" type="presParOf" srcId="{6B923205-2172-4313-A4A2-6715EC4C7B1E}" destId="{5CD83726-1E3D-4096-A788-C48F59DA0B18}" srcOrd="0" destOrd="0" presId="urn:microsoft.com/office/officeart/2005/8/layout/orgChart1"/>
     <dgm:cxn modelId="{B4D0004D-804E-46DB-8B09-224E72195D74}" type="presParOf" srcId="{5CD83726-1E3D-4096-A788-C48F59DA0B18}" destId="{5A513A83-C49C-46A5-8AB2-B00612607B04}" srcOrd="0" destOrd="0" presId="urn:microsoft.com/office/officeart/2005/8/layout/orgChart1"/>
@@ -9595,8 +9595,44 @@
             </a:r>
             <a:r>
               <a:rPr lang="en-US" sz="2800" b="0" dirty="0" smtClean="0"/>
-              <a:t>=true</a:t>
-            </a:r>
+              <a:t>=</a:t>
+            </a:r>
+            <a:r>
+              <a:rPr lang="en-US" sz="2800" b="0" dirty="0" smtClean="0"/>
+              <a:t>true</a:t>
+            </a:r>
+          </a:p>
+          <a:p>
+            <a:pPr>
+              <a:buNone/>
+            </a:pPr>
+            <a:endParaRPr lang="en-US" sz="2800" b="0" dirty="0"/>
+          </a:p>
+          <a:p>
+            <a:pPr>
+              <a:buNone/>
+            </a:pPr>
+            <a:r>
+              <a:rPr lang="en-US" sz="2800" b="0" dirty="0" smtClean="0"/>
+              <a:t>“</a:t>
+            </a:r>
+            <a:r>
+              <a:rPr lang="en-US" sz="2800" b="0" dirty="0" err="1" smtClean="0"/>
+              <a:t>configure.supported</a:t>
+            </a:r>
+            <a:r>
+              <a:rPr lang="en-US" sz="2800" b="0" dirty="0" smtClean="0"/>
+              <a:t>” is used to identify a project that supports being configured by the ‘ant configure’ task. This task will find “*.</a:t>
+            </a:r>
+            <a:r>
+              <a:rPr lang="en-US" sz="2800" b="0" dirty="0" err="1" smtClean="0"/>
+              <a:t>properties.template</a:t>
+            </a:r>
+            <a:r>
+              <a:rPr lang="en-US" sz="2800" b="0" dirty="0" smtClean="0"/>
+              <a:t>” files, replace service URL placeholders with actual grid URLs and rename the file to “*.properties”.</a:t>
+            </a:r>
+            <a:endParaRPr lang="en-US" sz="2800" b="0" dirty="0" smtClean="0"/>
           </a:p>
           <a:p>
             <a:pPr>
@@ -10897,6 +10933,13 @@
   <p:clrMapOvr>
     <a:masterClrMapping/>
   </p:clrMapOvr>
+  <p:timing>
+    <p:tnLst>
+      <p:par>
+        <p:cTn xmlns:p14="http://schemas.microsoft.com/office/powerpoint/2010/main" id="1" dur="indefinite" restart="never" nodeType="tmRoot"/>
+      </p:par>
+    </p:tnLst>
+  </p:timing>
 </p:sld>
 </file>
 
@@ -11457,6 +11500,13 @@
   <p:clrMapOvr>
     <a:masterClrMapping/>
   </p:clrMapOvr>
+  <p:timing>
+    <p:tnLst>
+      <p:par>
+        <p:cTn xmlns:p14="http://schemas.microsoft.com/office/powerpoint/2010/main" id="1" dur="indefinite" restart="never" nodeType="tmRoot"/>
+      </p:par>
+    </p:tnLst>
+  </p:timing>
 </p:sld>
 </file>
 
@@ -11537,11 +11587,29 @@
                 <a:latin typeface="Courier New" pitchFamily="49" charset="0"/>
                 <a:cs typeface="Courier New" pitchFamily="49" charset="0"/>
               </a:rPr>
-              <a:t>ivy.xml</a:t>
+              <a:t>dependencies-</a:t>
+            </a:r>
+            <a:r>
+              <a:rPr lang="en-US" sz="2400" dirty="0" err="1" smtClean="0">
+                <a:latin typeface="Courier New" pitchFamily="49" charset="0"/>
+                <a:cs typeface="Courier New" pitchFamily="49" charset="0"/>
+              </a:rPr>
+              <a:t>build</a:t>
+            </a:r>
+            <a:r>
+              <a:rPr lang="en-US" sz="2400" dirty="0" err="1" smtClean="0">
+                <a:latin typeface="Courier New" pitchFamily="49" charset="0"/>
+                <a:cs typeface="Courier New" pitchFamily="49" charset="0"/>
+              </a:rPr>
+              <a:t>.xml</a:t>
             </a:r>
             <a:r>
               <a:rPr lang="en-US" sz="2800" dirty="0" smtClean="0"/>
-              <a:t> files. </a:t>
+              <a:t> </a:t>
+            </a:r>
+            <a:r>
+              <a:rPr lang="en-US" sz="2800" dirty="0" smtClean="0"/>
+              <a:t>files. </a:t>
             </a:r>
           </a:p>
           <a:p>
@@ -11584,6 +11652,13 @@
   <p:clrMapOvr>
     <a:masterClrMapping/>
   </p:clrMapOvr>
+  <p:timing>
+    <p:tnLst>
+      <p:par>
+        <p:cTn xmlns:p14="http://schemas.microsoft.com/office/powerpoint/2010/main" id="1" dur="indefinite" restart="never" nodeType="tmRoot"/>
+      </p:par>
+    </p:tnLst>
+  </p:timing>
 </p:sld>
 </file>
 
@@ -11824,6 +11899,13 @@
   <p:clrMapOvr>
     <a:masterClrMapping/>
   </p:clrMapOvr>
+  <p:timing>
+    <p:tnLst>
+      <p:par>
+        <p:cTn xmlns:p14="http://schemas.microsoft.com/office/powerpoint/2010/main" id="1" dur="indefinite" restart="never" nodeType="tmRoot"/>
+      </p:par>
+    </p:tnLst>
+  </p:timing>
 </p:sld>
 </file>
 
